--- a/Class_Materials/4.Genome_assembly/figures/figs.pptx
+++ b/Class_Materials/4.Genome_assembly/figures/figs.pptx
@@ -10,6 +10,7 @@
     <p:sldId id="258" r:id="rId4"/>
     <p:sldId id="261" r:id="rId5"/>
     <p:sldId id="262" r:id="rId6"/>
+    <p:sldId id="263" r:id="rId7"/>
   </p:sldIdLst>
   <p:sldSz cx="12192000" cy="6858000"/>
   <p:notesSz cx="6858000" cy="9144000"/>
@@ -4464,255 +4465,630 @@
           <a:chExt cx="0" cy="0"/>
         </a:xfrm>
       </p:grpSpPr>
-      <p:pic>
-        <p:nvPicPr>
-          <p:cNvPr id="4" name="Picture 3">
-            <a:extLst>
-              <a:ext uri="{FF2B5EF4-FFF2-40B4-BE49-F238E27FC236}">
-                <a16:creationId xmlns:a16="http://schemas.microsoft.com/office/drawing/2014/main" id="{CCB7840A-F53C-1141-8746-CCB9317D0661}"/>
-              </a:ext>
-            </a:extLst>
-          </p:cNvPr>
-          <p:cNvPicPr>
-            <a:picLocks noChangeAspect="1"/>
-          </p:cNvPicPr>
+      <p:grpSp>
+        <p:nvGrpSpPr>
+          <p:cNvPr id="10" name="Group 9">
+            <a:extLst>
+              <a:ext uri="{FF2B5EF4-FFF2-40B4-BE49-F238E27FC236}">
+                <a16:creationId xmlns:a16="http://schemas.microsoft.com/office/drawing/2014/main" id="{43C5FEAF-177E-BD43-AD38-5710768CF218}"/>
+              </a:ext>
+            </a:extLst>
+          </p:cNvPr>
+          <p:cNvGrpSpPr/>
           <p:nvPr/>
-        </p:nvPicPr>
-        <p:blipFill>
-          <a:blip r:embed="rId2"/>
-          <a:stretch>
-            <a:fillRect/>
-          </a:stretch>
-        </p:blipFill>
-        <p:spPr>
+        </p:nvGrpSpPr>
+        <p:grpSpPr>
           <a:xfrm>
             <a:off x="107950" y="82550"/>
             <a:ext cx="11976100" cy="6692900"/>
+            <a:chOff x="107950" y="82550"/>
+            <a:chExt cx="11976100" cy="6692900"/>
           </a:xfrm>
-          <a:prstGeom prst="rect">
-            <a:avLst/>
-          </a:prstGeom>
-        </p:spPr>
-      </p:pic>
-      <p:sp>
-        <p:nvSpPr>
-          <p:cNvPr id="5" name="TextBox 4">
-            <a:extLst>
-              <a:ext uri="{FF2B5EF4-FFF2-40B4-BE49-F238E27FC236}">
-                <a16:creationId xmlns:a16="http://schemas.microsoft.com/office/drawing/2014/main" id="{33EBED35-E86D-C042-B393-A5E3AB563615}"/>
-              </a:ext>
-            </a:extLst>
-          </p:cNvPr>
-          <p:cNvSpPr txBox="1"/>
-          <p:nvPr/>
-        </p:nvSpPr>
-        <p:spPr>
-          <a:xfrm>
-            <a:off x="7150308" y="1866379"/>
-            <a:ext cx="2693045" cy="369332"/>
-          </a:xfrm>
-          <a:prstGeom prst="rect">
-            <a:avLst/>
-          </a:prstGeom>
-          <a:noFill/>
-        </p:spPr>
-        <p:txBody>
-          <a:bodyPr wrap="none" rtlCol="0">
-            <a:spAutoFit/>
-          </a:bodyPr>
-          <a:lstStyle/>
-          <a:p>
-            <a:r>
-              <a:rPr lang="en-US" b="1" dirty="0">
-                <a:solidFill>
-                  <a:srgbClr val="0070C0"/>
-                </a:solidFill>
-              </a:rPr>
-              <a:t>Divergent paths (Pick one)</a:t>
-            </a:r>
-          </a:p>
-        </p:txBody>
-      </p:sp>
-      <p:sp>
-        <p:nvSpPr>
-          <p:cNvPr id="6" name="TextBox 5">
-            <a:extLst>
-              <a:ext uri="{FF2B5EF4-FFF2-40B4-BE49-F238E27FC236}">
-                <a16:creationId xmlns:a16="http://schemas.microsoft.com/office/drawing/2014/main" id="{37F9A613-BF14-0C40-9332-C4CD4D07AD40}"/>
-              </a:ext>
-            </a:extLst>
-          </p:cNvPr>
-          <p:cNvSpPr txBox="1"/>
-          <p:nvPr/>
-        </p:nvSpPr>
-        <p:spPr>
-          <a:xfrm>
-            <a:off x="5309016" y="3429000"/>
-            <a:ext cx="2693045" cy="369332"/>
-          </a:xfrm>
-          <a:prstGeom prst="rect">
-            <a:avLst/>
-          </a:prstGeom>
-          <a:noFill/>
-        </p:spPr>
-        <p:txBody>
-          <a:bodyPr wrap="none" rtlCol="0">
-            <a:spAutoFit/>
-          </a:bodyPr>
-          <a:lstStyle/>
-          <a:p>
-            <a:r>
-              <a:rPr lang="en-US" b="1" dirty="0">
-                <a:solidFill>
-                  <a:srgbClr val="0070C0"/>
-                </a:solidFill>
-              </a:rPr>
-              <a:t>Divergent paths (Pick one)</a:t>
-            </a:r>
-          </a:p>
-        </p:txBody>
-      </p:sp>
-      <p:sp>
-        <p:nvSpPr>
-          <p:cNvPr id="7" name="TextBox 6">
-            <a:extLst>
-              <a:ext uri="{FF2B5EF4-FFF2-40B4-BE49-F238E27FC236}">
-                <a16:creationId xmlns:a16="http://schemas.microsoft.com/office/drawing/2014/main" id="{C26B31ED-A435-F04A-80C2-9DD4425DD0C8}"/>
-              </a:ext>
-            </a:extLst>
-          </p:cNvPr>
-          <p:cNvSpPr txBox="1"/>
-          <p:nvPr/>
-        </p:nvSpPr>
-        <p:spPr>
-          <a:xfrm>
-            <a:off x="3257862" y="6219669"/>
-            <a:ext cx="2693045" cy="369332"/>
-          </a:xfrm>
-          <a:prstGeom prst="rect">
-            <a:avLst/>
-          </a:prstGeom>
-          <a:noFill/>
-        </p:spPr>
-        <p:txBody>
-          <a:bodyPr wrap="none" rtlCol="0">
-            <a:spAutoFit/>
-          </a:bodyPr>
-          <a:lstStyle/>
-          <a:p>
-            <a:r>
-              <a:rPr lang="en-US" b="1" dirty="0">
-                <a:solidFill>
-                  <a:srgbClr val="0070C0"/>
-                </a:solidFill>
-              </a:rPr>
-              <a:t>Divergent paths (Pick one)</a:t>
-            </a:r>
-          </a:p>
-        </p:txBody>
-      </p:sp>
-      <p:sp>
-        <p:nvSpPr>
-          <p:cNvPr id="8" name="TextBox 7">
-            <a:extLst>
-              <a:ext uri="{FF2B5EF4-FFF2-40B4-BE49-F238E27FC236}">
-                <a16:creationId xmlns:a16="http://schemas.microsoft.com/office/drawing/2014/main" id="{5C364E75-5775-A541-A7A0-20E444526210}"/>
-              </a:ext>
-            </a:extLst>
-          </p:cNvPr>
-          <p:cNvSpPr txBox="1"/>
-          <p:nvPr/>
-        </p:nvSpPr>
-        <p:spPr>
-          <a:xfrm>
-            <a:off x="2628651" y="1404714"/>
-            <a:ext cx="1258421" cy="646331"/>
-          </a:xfrm>
-          <a:prstGeom prst="rect">
-            <a:avLst/>
-          </a:prstGeom>
-          <a:noFill/>
-        </p:spPr>
-        <p:txBody>
-          <a:bodyPr wrap="none" rtlCol="0">
-            <a:spAutoFit/>
-          </a:bodyPr>
-          <a:lstStyle/>
-          <a:p>
-            <a:r>
-              <a:rPr lang="en-US" b="1" dirty="0">
-                <a:solidFill>
-                  <a:srgbClr val="FF0000"/>
-                </a:solidFill>
-              </a:rPr>
-              <a:t>Unsolvable</a:t>
-            </a:r>
-          </a:p>
-          <a:p>
-            <a:r>
-              <a:rPr lang="en-US" b="1" dirty="0">
-                <a:solidFill>
-                  <a:srgbClr val="FF0000"/>
-                </a:solidFill>
-              </a:rPr>
-              <a:t>Branching! </a:t>
-            </a:r>
-          </a:p>
-        </p:txBody>
-      </p:sp>
-      <p:sp>
-        <p:nvSpPr>
-          <p:cNvPr id="9" name="TextBox 8">
-            <a:extLst>
-              <a:ext uri="{FF2B5EF4-FFF2-40B4-BE49-F238E27FC236}">
-                <a16:creationId xmlns:a16="http://schemas.microsoft.com/office/drawing/2014/main" id="{1AFEB443-9E07-8C44-8A84-C23B5F42DD3A}"/>
-              </a:ext>
-            </a:extLst>
-          </p:cNvPr>
-          <p:cNvSpPr txBox="1"/>
-          <p:nvPr/>
-        </p:nvSpPr>
-        <p:spPr>
-          <a:xfrm>
-            <a:off x="6888356" y="4532245"/>
-            <a:ext cx="1258421" cy="646331"/>
-          </a:xfrm>
-          <a:prstGeom prst="rect">
-            <a:avLst/>
-          </a:prstGeom>
-          <a:noFill/>
-        </p:spPr>
-        <p:txBody>
-          <a:bodyPr wrap="none" rtlCol="0">
-            <a:spAutoFit/>
-          </a:bodyPr>
-          <a:lstStyle/>
-          <a:p>
-            <a:r>
-              <a:rPr lang="en-US" b="1" dirty="0">
-                <a:solidFill>
-                  <a:srgbClr val="FF0000"/>
-                </a:solidFill>
-              </a:rPr>
-              <a:t>Unsolvable</a:t>
-            </a:r>
-          </a:p>
-          <a:p>
-            <a:r>
-              <a:rPr lang="en-US" b="1" dirty="0">
-                <a:solidFill>
-                  <a:srgbClr val="FF0000"/>
-                </a:solidFill>
-              </a:rPr>
-              <a:t>Branching! </a:t>
-            </a:r>
-          </a:p>
-        </p:txBody>
-      </p:sp>
+        </p:grpSpPr>
+        <p:pic>
+          <p:nvPicPr>
+            <p:cNvPr id="4" name="Picture 3">
+              <a:extLst>
+                <a:ext uri="{FF2B5EF4-FFF2-40B4-BE49-F238E27FC236}">
+                  <a16:creationId xmlns:a16="http://schemas.microsoft.com/office/drawing/2014/main" id="{CCB7840A-F53C-1141-8746-CCB9317D0661}"/>
+                </a:ext>
+              </a:extLst>
+            </p:cNvPr>
+            <p:cNvPicPr>
+              <a:picLocks noChangeAspect="1"/>
+            </p:cNvPicPr>
+            <p:nvPr/>
+          </p:nvPicPr>
+          <p:blipFill>
+            <a:blip r:embed="rId2"/>
+            <a:stretch>
+              <a:fillRect/>
+            </a:stretch>
+          </p:blipFill>
+          <p:spPr>
+            <a:xfrm>
+              <a:off x="107950" y="82550"/>
+              <a:ext cx="11976100" cy="6692900"/>
+            </a:xfrm>
+            <a:prstGeom prst="rect">
+              <a:avLst/>
+            </a:prstGeom>
+          </p:spPr>
+        </p:pic>
+        <p:sp>
+          <p:nvSpPr>
+            <p:cNvPr id="5" name="TextBox 4">
+              <a:extLst>
+                <a:ext uri="{FF2B5EF4-FFF2-40B4-BE49-F238E27FC236}">
+                  <a16:creationId xmlns:a16="http://schemas.microsoft.com/office/drawing/2014/main" id="{33EBED35-E86D-C042-B393-A5E3AB563615}"/>
+                </a:ext>
+              </a:extLst>
+            </p:cNvPr>
+            <p:cNvSpPr txBox="1"/>
+            <p:nvPr/>
+          </p:nvSpPr>
+          <p:spPr>
+            <a:xfrm>
+              <a:off x="7150308" y="1866379"/>
+              <a:ext cx="2693045" cy="369332"/>
+            </a:xfrm>
+            <a:prstGeom prst="rect">
+              <a:avLst/>
+            </a:prstGeom>
+            <a:noFill/>
+          </p:spPr>
+          <p:txBody>
+            <a:bodyPr wrap="none" rtlCol="0">
+              <a:spAutoFit/>
+            </a:bodyPr>
+            <a:lstStyle/>
+            <a:p>
+              <a:r>
+                <a:rPr lang="en-US" b="1" dirty="0">
+                  <a:solidFill>
+                    <a:srgbClr val="0070C0"/>
+                  </a:solidFill>
+                </a:rPr>
+                <a:t>Divergent paths (Pick one)</a:t>
+              </a:r>
+            </a:p>
+          </p:txBody>
+        </p:sp>
+        <p:sp>
+          <p:nvSpPr>
+            <p:cNvPr id="6" name="TextBox 5">
+              <a:extLst>
+                <a:ext uri="{FF2B5EF4-FFF2-40B4-BE49-F238E27FC236}">
+                  <a16:creationId xmlns:a16="http://schemas.microsoft.com/office/drawing/2014/main" id="{37F9A613-BF14-0C40-9332-C4CD4D07AD40}"/>
+                </a:ext>
+              </a:extLst>
+            </p:cNvPr>
+            <p:cNvSpPr txBox="1"/>
+            <p:nvPr/>
+          </p:nvSpPr>
+          <p:spPr>
+            <a:xfrm>
+              <a:off x="5309016" y="3429000"/>
+              <a:ext cx="2693045" cy="369332"/>
+            </a:xfrm>
+            <a:prstGeom prst="rect">
+              <a:avLst/>
+            </a:prstGeom>
+            <a:noFill/>
+          </p:spPr>
+          <p:txBody>
+            <a:bodyPr wrap="none" rtlCol="0">
+              <a:spAutoFit/>
+            </a:bodyPr>
+            <a:lstStyle/>
+            <a:p>
+              <a:r>
+                <a:rPr lang="en-US" b="1" dirty="0">
+                  <a:solidFill>
+                    <a:srgbClr val="0070C0"/>
+                  </a:solidFill>
+                </a:rPr>
+                <a:t>Divergent paths (Pick one)</a:t>
+              </a:r>
+            </a:p>
+          </p:txBody>
+        </p:sp>
+        <p:sp>
+          <p:nvSpPr>
+            <p:cNvPr id="7" name="TextBox 6">
+              <a:extLst>
+                <a:ext uri="{FF2B5EF4-FFF2-40B4-BE49-F238E27FC236}">
+                  <a16:creationId xmlns:a16="http://schemas.microsoft.com/office/drawing/2014/main" id="{C26B31ED-A435-F04A-80C2-9DD4425DD0C8}"/>
+                </a:ext>
+              </a:extLst>
+            </p:cNvPr>
+            <p:cNvSpPr txBox="1"/>
+            <p:nvPr/>
+          </p:nvSpPr>
+          <p:spPr>
+            <a:xfrm>
+              <a:off x="3257862" y="6219669"/>
+              <a:ext cx="2693045" cy="369332"/>
+            </a:xfrm>
+            <a:prstGeom prst="rect">
+              <a:avLst/>
+            </a:prstGeom>
+            <a:noFill/>
+          </p:spPr>
+          <p:txBody>
+            <a:bodyPr wrap="none" rtlCol="0">
+              <a:spAutoFit/>
+            </a:bodyPr>
+            <a:lstStyle/>
+            <a:p>
+              <a:r>
+                <a:rPr lang="en-US" b="1" dirty="0">
+                  <a:solidFill>
+                    <a:srgbClr val="0070C0"/>
+                  </a:solidFill>
+                </a:rPr>
+                <a:t>Divergent paths (Pick one)</a:t>
+              </a:r>
+            </a:p>
+          </p:txBody>
+        </p:sp>
+        <p:sp>
+          <p:nvSpPr>
+            <p:cNvPr id="8" name="TextBox 7">
+              <a:extLst>
+                <a:ext uri="{FF2B5EF4-FFF2-40B4-BE49-F238E27FC236}">
+                  <a16:creationId xmlns:a16="http://schemas.microsoft.com/office/drawing/2014/main" id="{5C364E75-5775-A541-A7A0-20E444526210}"/>
+                </a:ext>
+              </a:extLst>
+            </p:cNvPr>
+            <p:cNvSpPr txBox="1"/>
+            <p:nvPr/>
+          </p:nvSpPr>
+          <p:spPr>
+            <a:xfrm>
+              <a:off x="2628651" y="1404714"/>
+              <a:ext cx="1258421" cy="646331"/>
+            </a:xfrm>
+            <a:prstGeom prst="rect">
+              <a:avLst/>
+            </a:prstGeom>
+            <a:noFill/>
+          </p:spPr>
+          <p:txBody>
+            <a:bodyPr wrap="none" rtlCol="0">
+              <a:spAutoFit/>
+            </a:bodyPr>
+            <a:lstStyle/>
+            <a:p>
+              <a:r>
+                <a:rPr lang="en-US" b="1" dirty="0">
+                  <a:solidFill>
+                    <a:srgbClr val="FF0000"/>
+                  </a:solidFill>
+                </a:rPr>
+                <a:t>Unsolvable</a:t>
+              </a:r>
+            </a:p>
+            <a:p>
+              <a:r>
+                <a:rPr lang="en-US" b="1" dirty="0">
+                  <a:solidFill>
+                    <a:srgbClr val="FF0000"/>
+                  </a:solidFill>
+                </a:rPr>
+                <a:t>Branching! </a:t>
+              </a:r>
+            </a:p>
+          </p:txBody>
+        </p:sp>
+        <p:sp>
+          <p:nvSpPr>
+            <p:cNvPr id="9" name="TextBox 8">
+              <a:extLst>
+                <a:ext uri="{FF2B5EF4-FFF2-40B4-BE49-F238E27FC236}">
+                  <a16:creationId xmlns:a16="http://schemas.microsoft.com/office/drawing/2014/main" id="{1AFEB443-9E07-8C44-8A84-C23B5F42DD3A}"/>
+                </a:ext>
+              </a:extLst>
+            </p:cNvPr>
+            <p:cNvSpPr txBox="1"/>
+            <p:nvPr/>
+          </p:nvSpPr>
+          <p:spPr>
+            <a:xfrm>
+              <a:off x="6888356" y="4532245"/>
+              <a:ext cx="1258421" cy="646331"/>
+            </a:xfrm>
+            <a:prstGeom prst="rect">
+              <a:avLst/>
+            </a:prstGeom>
+            <a:noFill/>
+          </p:spPr>
+          <p:txBody>
+            <a:bodyPr wrap="none" rtlCol="0">
+              <a:spAutoFit/>
+            </a:bodyPr>
+            <a:lstStyle/>
+            <a:p>
+              <a:r>
+                <a:rPr lang="en-US" b="1" dirty="0">
+                  <a:solidFill>
+                    <a:srgbClr val="FF0000"/>
+                  </a:solidFill>
+                </a:rPr>
+                <a:t>Unsolvable</a:t>
+              </a:r>
+            </a:p>
+            <a:p>
+              <a:r>
+                <a:rPr lang="en-US" b="1" dirty="0">
+                  <a:solidFill>
+                    <a:srgbClr val="FF0000"/>
+                  </a:solidFill>
+                </a:rPr>
+                <a:t>Branching! </a:t>
+              </a:r>
+            </a:p>
+          </p:txBody>
+        </p:sp>
+      </p:grpSp>
     </p:spTree>
     <p:extLst>
       <p:ext uri="{BB962C8B-B14F-4D97-AF65-F5344CB8AC3E}">
         <p14:creationId xmlns:p14="http://schemas.microsoft.com/office/powerpoint/2010/main" val="1821610199"/>
+      </p:ext>
+    </p:extLst>
+  </p:cSld>
+  <p:clrMapOvr>
+    <a:masterClrMapping/>
+  </p:clrMapOvr>
+</p:sld>
+</file>
+
+<file path=ppt/slides/slide6.xml><?xml version="1.0" encoding="utf-8"?>
+<p:sld xmlns:a="http://schemas.openxmlformats.org/drawingml/2006/main" xmlns:r="http://schemas.openxmlformats.org/officeDocument/2006/relationships" xmlns:p="http://schemas.openxmlformats.org/presentationml/2006/main">
+  <p:cSld>
+    <p:spTree>
+      <p:nvGrpSpPr>
+        <p:cNvPr id="1" name=""/>
+        <p:cNvGrpSpPr/>
+        <p:nvPr/>
+      </p:nvGrpSpPr>
+      <p:grpSpPr>
+        <a:xfrm>
+          <a:off x="0" y="0"/>
+          <a:ext cx="0" cy="0"/>
+          <a:chOff x="0" y="0"/>
+          <a:chExt cx="0" cy="0"/>
+        </a:xfrm>
+      </p:grpSpPr>
+      <p:grpSp>
+        <p:nvGrpSpPr>
+          <p:cNvPr id="13" name="Group 12">
+            <a:extLst>
+              <a:ext uri="{FF2B5EF4-FFF2-40B4-BE49-F238E27FC236}">
+                <a16:creationId xmlns:a16="http://schemas.microsoft.com/office/drawing/2014/main" id="{2A925D0B-0CA8-AB43-B467-00B25FD67D77}"/>
+              </a:ext>
+            </a:extLst>
+          </p:cNvPr>
+          <p:cNvGrpSpPr/>
+          <p:nvPr/>
+        </p:nvGrpSpPr>
+        <p:grpSpPr>
+          <a:xfrm>
+            <a:off x="95250" y="285750"/>
+            <a:ext cx="12001500" cy="6286500"/>
+            <a:chOff x="95250" y="285750"/>
+            <a:chExt cx="12001500" cy="6286500"/>
+          </a:xfrm>
+        </p:grpSpPr>
+        <p:pic>
+          <p:nvPicPr>
+            <p:cNvPr id="4" name="Picture 3">
+              <a:extLst>
+                <a:ext uri="{FF2B5EF4-FFF2-40B4-BE49-F238E27FC236}">
+                  <a16:creationId xmlns:a16="http://schemas.microsoft.com/office/drawing/2014/main" id="{E7C89BCB-DA8A-A94D-AEE3-681A6C2D6B82}"/>
+                </a:ext>
+              </a:extLst>
+            </p:cNvPr>
+            <p:cNvPicPr>
+              <a:picLocks noChangeAspect="1"/>
+            </p:cNvPicPr>
+            <p:nvPr/>
+          </p:nvPicPr>
+          <p:blipFill>
+            <a:blip r:embed="rId2"/>
+            <a:stretch>
+              <a:fillRect/>
+            </a:stretch>
+          </p:blipFill>
+          <p:spPr>
+            <a:xfrm>
+              <a:off x="95250" y="285750"/>
+              <a:ext cx="12001500" cy="6286500"/>
+            </a:xfrm>
+            <a:prstGeom prst="rect">
+              <a:avLst/>
+            </a:prstGeom>
+          </p:spPr>
+        </p:pic>
+        <p:sp>
+          <p:nvSpPr>
+            <p:cNvPr id="5" name="TextBox 4">
+              <a:extLst>
+                <a:ext uri="{FF2B5EF4-FFF2-40B4-BE49-F238E27FC236}">
+                  <a16:creationId xmlns:a16="http://schemas.microsoft.com/office/drawing/2014/main" id="{B00890B4-799F-9C4B-96BF-B934EEA2D51F}"/>
+                </a:ext>
+              </a:extLst>
+            </p:cNvPr>
+            <p:cNvSpPr txBox="1"/>
+            <p:nvPr/>
+          </p:nvSpPr>
+          <p:spPr>
+            <a:xfrm>
+              <a:off x="1543987" y="1079293"/>
+              <a:ext cx="1404423" cy="523220"/>
+            </a:xfrm>
+            <a:prstGeom prst="rect">
+              <a:avLst/>
+            </a:prstGeom>
+            <a:noFill/>
+          </p:spPr>
+          <p:txBody>
+            <a:bodyPr wrap="none" rtlCol="0">
+              <a:spAutoFit/>
+            </a:bodyPr>
+            <a:lstStyle/>
+            <a:p>
+              <a:r>
+                <a:rPr lang="en-US" sz="2800" b="1" dirty="0">
+                  <a:solidFill>
+                    <a:srgbClr val="FF0000"/>
+                  </a:solidFill>
+                </a:rPr>
+                <a:t>Contig 1</a:t>
+              </a:r>
+            </a:p>
+          </p:txBody>
+        </p:sp>
+        <p:sp>
+          <p:nvSpPr>
+            <p:cNvPr id="6" name="TextBox 5">
+              <a:extLst>
+                <a:ext uri="{FF2B5EF4-FFF2-40B4-BE49-F238E27FC236}">
+                  <a16:creationId xmlns:a16="http://schemas.microsoft.com/office/drawing/2014/main" id="{98475FAA-5402-0142-9AC6-ABC75139367F}"/>
+                </a:ext>
+              </a:extLst>
+            </p:cNvPr>
+            <p:cNvSpPr txBox="1"/>
+            <p:nvPr/>
+          </p:nvSpPr>
+          <p:spPr>
+            <a:xfrm>
+              <a:off x="7707443" y="1079293"/>
+              <a:ext cx="1404423" cy="523220"/>
+            </a:xfrm>
+            <a:prstGeom prst="rect">
+              <a:avLst/>
+            </a:prstGeom>
+            <a:noFill/>
+          </p:spPr>
+          <p:txBody>
+            <a:bodyPr wrap="none" rtlCol="0">
+              <a:spAutoFit/>
+            </a:bodyPr>
+            <a:lstStyle/>
+            <a:p>
+              <a:r>
+                <a:rPr lang="en-US" sz="2800" b="1" dirty="0">
+                  <a:solidFill>
+                    <a:srgbClr val="FF0000"/>
+                  </a:solidFill>
+                </a:rPr>
+                <a:t>Contig 2</a:t>
+              </a:r>
+            </a:p>
+          </p:txBody>
+        </p:sp>
+        <p:sp>
+          <p:nvSpPr>
+            <p:cNvPr id="7" name="TextBox 6">
+              <a:extLst>
+                <a:ext uri="{FF2B5EF4-FFF2-40B4-BE49-F238E27FC236}">
+                  <a16:creationId xmlns:a16="http://schemas.microsoft.com/office/drawing/2014/main" id="{0CFFD0E9-DEC5-1541-9CAA-762B20E4850C}"/>
+                </a:ext>
+              </a:extLst>
+            </p:cNvPr>
+            <p:cNvSpPr txBox="1"/>
+            <p:nvPr/>
+          </p:nvSpPr>
+          <p:spPr>
+            <a:xfrm>
+              <a:off x="7707442" y="2565818"/>
+              <a:ext cx="2462149" cy="523220"/>
+            </a:xfrm>
+            <a:prstGeom prst="rect">
+              <a:avLst/>
+            </a:prstGeom>
+            <a:noFill/>
+          </p:spPr>
+          <p:txBody>
+            <a:bodyPr wrap="none" rtlCol="0">
+              <a:spAutoFit/>
+            </a:bodyPr>
+            <a:lstStyle/>
+            <a:p>
+              <a:r>
+                <a:rPr lang="en-US" sz="2800" b="1" dirty="0">
+                  <a:solidFill>
+                    <a:srgbClr val="FF0000"/>
+                  </a:solidFill>
+                </a:rPr>
+                <a:t>Contig 2 (cont.)</a:t>
+              </a:r>
+            </a:p>
+          </p:txBody>
+        </p:sp>
+        <p:sp>
+          <p:nvSpPr>
+            <p:cNvPr id="8" name="TextBox 7">
+              <a:extLst>
+                <a:ext uri="{FF2B5EF4-FFF2-40B4-BE49-F238E27FC236}">
+                  <a16:creationId xmlns:a16="http://schemas.microsoft.com/office/drawing/2014/main" id="{3F39B582-C832-3346-9E76-A2DD4314058D}"/>
+                </a:ext>
+              </a:extLst>
+            </p:cNvPr>
+            <p:cNvSpPr txBox="1"/>
+            <p:nvPr/>
+          </p:nvSpPr>
+          <p:spPr>
+            <a:xfrm>
+              <a:off x="1099278" y="2565818"/>
+              <a:ext cx="1404423" cy="523220"/>
+            </a:xfrm>
+            <a:prstGeom prst="rect">
+              <a:avLst/>
+            </a:prstGeom>
+            <a:noFill/>
+          </p:spPr>
+          <p:txBody>
+            <a:bodyPr wrap="none" rtlCol="0">
+              <a:spAutoFit/>
+            </a:bodyPr>
+            <a:lstStyle/>
+            <a:p>
+              <a:r>
+                <a:rPr lang="en-US" sz="2800" b="1" dirty="0">
+                  <a:solidFill>
+                    <a:srgbClr val="FF0000"/>
+                  </a:solidFill>
+                </a:rPr>
+                <a:t>Contig 3</a:t>
+              </a:r>
+            </a:p>
+          </p:txBody>
+        </p:sp>
+        <p:sp>
+          <p:nvSpPr>
+            <p:cNvPr id="9" name="TextBox 8">
+              <a:extLst>
+                <a:ext uri="{FF2B5EF4-FFF2-40B4-BE49-F238E27FC236}">
+                  <a16:creationId xmlns:a16="http://schemas.microsoft.com/office/drawing/2014/main" id="{36D88B3D-B2DD-5241-AF7B-C32BEAB888BB}"/>
+                </a:ext>
+              </a:extLst>
+            </p:cNvPr>
+            <p:cNvSpPr txBox="1"/>
+            <p:nvPr/>
+          </p:nvSpPr>
+          <p:spPr>
+            <a:xfrm>
+              <a:off x="2578995" y="4052342"/>
+              <a:ext cx="2462149" cy="523220"/>
+            </a:xfrm>
+            <a:prstGeom prst="rect">
+              <a:avLst/>
+            </a:prstGeom>
+            <a:noFill/>
+          </p:spPr>
+          <p:txBody>
+            <a:bodyPr wrap="none" rtlCol="0">
+              <a:spAutoFit/>
+            </a:bodyPr>
+            <a:lstStyle/>
+            <a:p>
+              <a:r>
+                <a:rPr lang="en-US" sz="2800" b="1" dirty="0">
+                  <a:solidFill>
+                    <a:srgbClr val="FF0000"/>
+                  </a:solidFill>
+                </a:rPr>
+                <a:t>Contig 3 (cont.)</a:t>
+              </a:r>
+            </a:p>
+          </p:txBody>
+        </p:sp>
+        <p:sp>
+          <p:nvSpPr>
+            <p:cNvPr id="10" name="TextBox 9">
+              <a:extLst>
+                <a:ext uri="{FF2B5EF4-FFF2-40B4-BE49-F238E27FC236}">
+                  <a16:creationId xmlns:a16="http://schemas.microsoft.com/office/drawing/2014/main" id="{DE057256-B3FB-8D4F-93D5-09A91A3351A0}"/>
+                </a:ext>
+              </a:extLst>
+            </p:cNvPr>
+            <p:cNvSpPr txBox="1"/>
+            <p:nvPr/>
+          </p:nvSpPr>
+          <p:spPr>
+            <a:xfrm>
+              <a:off x="9297087" y="4052342"/>
+              <a:ext cx="1404423" cy="523220"/>
+            </a:xfrm>
+            <a:prstGeom prst="rect">
+              <a:avLst/>
+            </a:prstGeom>
+            <a:noFill/>
+          </p:spPr>
+          <p:txBody>
+            <a:bodyPr wrap="none" rtlCol="0">
+              <a:spAutoFit/>
+            </a:bodyPr>
+            <a:lstStyle/>
+            <a:p>
+              <a:r>
+                <a:rPr lang="en-US" sz="2800" b="1" dirty="0">
+                  <a:solidFill>
+                    <a:srgbClr val="FF0000"/>
+                  </a:solidFill>
+                </a:rPr>
+                <a:t>Contig 4</a:t>
+              </a:r>
+            </a:p>
+          </p:txBody>
+        </p:sp>
+        <p:sp>
+          <p:nvSpPr>
+            <p:cNvPr id="12" name="TextBox 11">
+              <a:extLst>
+                <a:ext uri="{FF2B5EF4-FFF2-40B4-BE49-F238E27FC236}">
+                  <a16:creationId xmlns:a16="http://schemas.microsoft.com/office/drawing/2014/main" id="{31ED9234-9E3B-EE4B-B9DB-A3D40A29EE83}"/>
+                </a:ext>
+              </a:extLst>
+            </p:cNvPr>
+            <p:cNvSpPr txBox="1"/>
+            <p:nvPr/>
+          </p:nvSpPr>
+          <p:spPr>
+            <a:xfrm>
+              <a:off x="3226070" y="5372256"/>
+              <a:ext cx="2462149" cy="523220"/>
+            </a:xfrm>
+            <a:prstGeom prst="rect">
+              <a:avLst/>
+            </a:prstGeom>
+            <a:noFill/>
+          </p:spPr>
+          <p:txBody>
+            <a:bodyPr wrap="none" rtlCol="0">
+              <a:spAutoFit/>
+            </a:bodyPr>
+            <a:lstStyle/>
+            <a:p>
+              <a:r>
+                <a:rPr lang="en-US" sz="2800" b="1" dirty="0">
+                  <a:solidFill>
+                    <a:srgbClr val="FF0000"/>
+                  </a:solidFill>
+                </a:rPr>
+                <a:t>Contig 4 (cont.)</a:t>
+              </a:r>
+            </a:p>
+          </p:txBody>
+        </p:sp>
+      </p:grpSp>
+    </p:spTree>
+    <p:extLst>
+      <p:ext uri="{BB962C8B-B14F-4D97-AF65-F5344CB8AC3E}">
+        <p14:creationId xmlns:p14="http://schemas.microsoft.com/office/powerpoint/2010/main" val="2380038900"/>
       </p:ext>
     </p:extLst>
   </p:cSld>

--- a/Class_Materials/4.Genome_assembly/figures/figs.pptx
+++ b/Class_Materials/4.Genome_assembly/figures/figs.pptx
@@ -5,12 +5,13 @@
     <p:sldMasterId id="2147483648" r:id="rId1"/>
   </p:sldMasterIdLst>
   <p:sldIdLst>
-    <p:sldId id="256" r:id="rId2"/>
-    <p:sldId id="257" r:id="rId3"/>
-    <p:sldId id="258" r:id="rId4"/>
-    <p:sldId id="261" r:id="rId5"/>
-    <p:sldId id="262" r:id="rId6"/>
-    <p:sldId id="263" r:id="rId7"/>
+    <p:sldId id="264" r:id="rId2"/>
+    <p:sldId id="256" r:id="rId3"/>
+    <p:sldId id="257" r:id="rId4"/>
+    <p:sldId id="258" r:id="rId5"/>
+    <p:sldId id="261" r:id="rId6"/>
+    <p:sldId id="262" r:id="rId7"/>
+    <p:sldId id="263" r:id="rId8"/>
   </p:sldIdLst>
   <p:sldSz cx="12192000" cy="6858000"/>
   <p:notesSz cx="6858000" cy="9144000"/>
@@ -109,6 +110,11 @@
       </a:defRPr>
     </a:lvl9pPr>
   </p:defaultTextStyle>
+  <p:extLst>
+    <p:ext uri="{EFAFB233-063F-42B5-8137-9DF3F51BA10A}">
+      <p15:sldGuideLst xmlns:p15="http://schemas.microsoft.com/office/powerpoint/2012/main"/>
+    </p:ext>
+  </p:extLst>
 </p:presentation>
 </file>
 
@@ -3310,6 +3316,76 @@
 </file>
 
 <file path=ppt/slides/slide1.xml><?xml version="1.0" encoding="utf-8"?>
+<p:sld xmlns:a="http://schemas.openxmlformats.org/drawingml/2006/main" xmlns:r="http://schemas.openxmlformats.org/officeDocument/2006/relationships" xmlns:p="http://schemas.openxmlformats.org/presentationml/2006/main">
+  <p:cSld>
+    <p:spTree>
+      <p:nvGrpSpPr>
+        <p:cNvPr id="1" name=""/>
+        <p:cNvGrpSpPr/>
+        <p:nvPr/>
+      </p:nvGrpSpPr>
+      <p:grpSpPr>
+        <a:xfrm>
+          <a:off x="0" y="0"/>
+          <a:ext cx="0" cy="0"/>
+          <a:chOff x="0" y="0"/>
+          <a:chExt cx="0" cy="0"/>
+        </a:xfrm>
+      </p:grpSpPr>
+      <p:pic>
+        <p:nvPicPr>
+          <p:cNvPr id="1026" name="Picture 2">
+            <a:extLst>
+              <a:ext uri="{FF2B5EF4-FFF2-40B4-BE49-F238E27FC236}">
+                <a16:creationId xmlns:a16="http://schemas.microsoft.com/office/drawing/2014/main" id="{285724F3-7EC0-0F45-BBD2-527AC1FC0327}"/>
+              </a:ext>
+            </a:extLst>
+          </p:cNvPr>
+          <p:cNvPicPr>
+            <a:picLocks noChangeAspect="1" noChangeArrowheads="1"/>
+          </p:cNvPicPr>
+          <p:nvPr/>
+        </p:nvPicPr>
+        <p:blipFill>
+          <a:blip r:embed="rId2">
+            <a:extLst>
+              <a:ext uri="{28A0092B-C50C-407E-A947-70E740481C1C}">
+                <a14:useLocalDpi xmlns:a14="http://schemas.microsoft.com/office/drawing/2010/main" val="0"/>
+              </a:ext>
+            </a:extLst>
+          </a:blip>
+          <a:srcRect/>
+          <a:stretch>
+            <a:fillRect/>
+          </a:stretch>
+        </p:blipFill>
+        <p:spPr bwMode="auto">
+          <a:xfrm>
+            <a:off x="1686182" y="339103"/>
+            <a:ext cx="7362825" cy="6179794"/>
+          </a:xfrm>
+          <a:prstGeom prst="rect">
+            <a:avLst/>
+          </a:prstGeom>
+          <a:solidFill>
+            <a:schemeClr val="bg1"/>
+          </a:solidFill>
+        </p:spPr>
+      </p:pic>
+    </p:spTree>
+    <p:extLst>
+      <p:ext uri="{BB962C8B-B14F-4D97-AF65-F5344CB8AC3E}">
+        <p14:creationId xmlns:p14="http://schemas.microsoft.com/office/powerpoint/2010/main" val="356936279"/>
+      </p:ext>
+    </p:extLst>
+  </p:cSld>
+  <p:clrMapOvr>
+    <a:masterClrMapping/>
+  </p:clrMapOvr>
+</p:sld>
+</file>
+
+<file path=ppt/slides/slide2.xml><?xml version="1.0" encoding="utf-8"?>
 <p:sld xmlns:a="http://schemas.openxmlformats.org/drawingml/2006/main" xmlns:r="http://schemas.openxmlformats.org/officeDocument/2006/relationships" xmlns:p="http://schemas.openxmlformats.org/presentationml/2006/main">
   <p:cSld>
     <p:spTree>
@@ -3736,7 +3812,7 @@
 </p:sld>
 </file>
 
-<file path=ppt/slides/slide2.xml><?xml version="1.0" encoding="utf-8"?>
+<file path=ppt/slides/slide3.xml><?xml version="1.0" encoding="utf-8"?>
 <p:sld xmlns:a="http://schemas.openxmlformats.org/drawingml/2006/main" xmlns:r="http://schemas.openxmlformats.org/officeDocument/2006/relationships" xmlns:p="http://schemas.openxmlformats.org/presentationml/2006/main">
   <p:cSld>
     <p:spTree>
@@ -4313,7 +4389,7 @@
 </p:sld>
 </file>
 
-<file path=ppt/slides/slide3.xml><?xml version="1.0" encoding="utf-8"?>
+<file path=ppt/slides/slide4.xml><?xml version="1.0" encoding="utf-8"?>
 <p:sld xmlns:a="http://schemas.openxmlformats.org/drawingml/2006/main" xmlns:r="http://schemas.openxmlformats.org/officeDocument/2006/relationships" xmlns:p="http://schemas.openxmlformats.org/presentationml/2006/main">
   <p:cSld>
     <p:spTree>
@@ -4388,7 +4464,7 @@
 </p:sld>
 </file>
 
-<file path=ppt/slides/slide4.xml><?xml version="1.0" encoding="utf-8"?>
+<file path=ppt/slides/slide5.xml><?xml version="1.0" encoding="utf-8"?>
 <p:sld xmlns:a="http://schemas.openxmlformats.org/drawingml/2006/main" xmlns:r="http://schemas.openxmlformats.org/officeDocument/2006/relationships" xmlns:p="http://schemas.openxmlformats.org/presentationml/2006/main">
   <p:cSld>
     <p:spTree>
@@ -4448,7 +4524,7 @@
 </p:sld>
 </file>
 
-<file path=ppt/slides/slide5.xml><?xml version="1.0" encoding="utf-8"?>
+<file path=ppt/slides/slide6.xml><?xml version="1.0" encoding="utf-8"?>
 <p:sld xmlns:a="http://schemas.openxmlformats.org/drawingml/2006/main" xmlns:r="http://schemas.openxmlformats.org/officeDocument/2006/relationships" xmlns:p="http://schemas.openxmlformats.org/presentationml/2006/main">
   <p:cSld>
     <p:spTree>
@@ -4744,7 +4820,7 @@
 </p:sld>
 </file>
 
-<file path=ppt/slides/slide6.xml><?xml version="1.0" encoding="utf-8"?>
+<file path=ppt/slides/slide7.xml><?xml version="1.0" encoding="utf-8"?>
 <p:sld xmlns:a="http://schemas.openxmlformats.org/drawingml/2006/main" xmlns:r="http://schemas.openxmlformats.org/officeDocument/2006/relationships" xmlns:p="http://schemas.openxmlformats.org/presentationml/2006/main">
   <p:cSld>
     <p:spTree>
